--- a/Berkeley/Meeting_07_09.pptx
+++ b/Berkeley/Meeting_07_09.pptx
@@ -5,12 +5,18 @@
     <p:sldMasterId id="2147483660" r:id="rId1"/>
   </p:sldMasterIdLst>
   <p:notesMasterIdLst>
-    <p:notesMasterId r:id="rId5"/>
+    <p:notesMasterId r:id="rId11"/>
   </p:notesMasterIdLst>
   <p:sldIdLst>
     <p:sldId id="258" r:id="rId2"/>
     <p:sldId id="259" r:id="rId3"/>
     <p:sldId id="260" r:id="rId4"/>
+    <p:sldId id="261" r:id="rId5"/>
+    <p:sldId id="262" r:id="rId6"/>
+    <p:sldId id="263" r:id="rId7"/>
+    <p:sldId id="264" r:id="rId8"/>
+    <p:sldId id="265" r:id="rId9"/>
+    <p:sldId id="266" r:id="rId10"/>
   </p:sldIdLst>
   <p:sldSz cx="12192000" cy="6858000"/>
   <p:notesSz cx="6858000" cy="9144000"/>
@@ -199,7 +205,7 @@
           <a:p>
             <a:fld id="{3303E88C-5052-EB47-BBCD-87ED51A84B6C}" type="datetimeFigureOut">
               <a:rPr lang="en-DE" smtClean="0"/>
-              <a:t>05.07.24</a:t>
+              <a:t>09.07.24</a:t>
             </a:fld>
             <a:endParaRPr lang="en-DE"/>
           </a:p>
@@ -5733,7 +5739,7 @@
         <p:spPr>
           <a:xfrm>
             <a:off x="9026561" y="6180791"/>
-            <a:ext cx="2832699" cy="276999"/>
+            <a:ext cx="2883995" cy="276999"/>
           </a:xfrm>
           <a:prstGeom prst="rect">
             <a:avLst/>
@@ -5752,7 +5758,7 @@
                   <a:srgbClr val="74B842"/>
                 </a:solidFill>
               </a:rPr>
-              <a:t>no enough high-energy showers simulated</a:t>
+              <a:t>not enough high-energy showers simulated</a:t>
             </a:r>
           </a:p>
         </p:txBody>
@@ -5773,8 +5779,8 @@
         </p:nvCxnSpPr>
         <p:spPr>
           <a:xfrm flipV="1">
-            <a:off x="10442911" y="5704117"/>
-            <a:ext cx="184449" cy="476674"/>
+            <a:off x="10468559" y="5704117"/>
+            <a:ext cx="158801" cy="476674"/>
           </a:xfrm>
           <a:prstGeom prst="straightConnector1">
             <a:avLst/>
@@ -5801,10 +5807,1896 @@
           </a:fontRef>
         </p:style>
       </p:cxnSp>
+      <p:cxnSp>
+        <p:nvCxnSpPr>
+          <p:cNvPr id="8" name="Straight Arrow Connector 7">
+            <a:extLst>
+              <a:ext uri="{FF2B5EF4-FFF2-40B4-BE49-F238E27FC236}">
+                <a16:creationId xmlns:a16="http://schemas.microsoft.com/office/drawing/2014/main" id="{1215EDDC-9A82-161E-33AE-D89906C9DAC7}"/>
+              </a:ext>
+            </a:extLst>
+          </p:cNvPr>
+          <p:cNvCxnSpPr/>
+          <p:nvPr/>
+        </p:nvCxnSpPr>
+        <p:spPr>
+          <a:xfrm flipV="1">
+            <a:off x="7705165" y="5650329"/>
+            <a:ext cx="0" cy="382957"/>
+          </a:xfrm>
+          <a:prstGeom prst="straightConnector1">
+            <a:avLst/>
+          </a:prstGeom>
+          <a:ln>
+            <a:solidFill>
+              <a:schemeClr val="tx1"/>
+            </a:solidFill>
+            <a:tailEnd type="triangle"/>
+          </a:ln>
+        </p:spPr>
+        <p:style>
+          <a:lnRef idx="1">
+            <a:schemeClr val="accent1"/>
+          </a:lnRef>
+          <a:fillRef idx="0">
+            <a:schemeClr val="accent1"/>
+          </a:fillRef>
+          <a:effectRef idx="0">
+            <a:schemeClr val="accent1"/>
+          </a:effectRef>
+          <a:fontRef idx="minor">
+            <a:schemeClr val="tx1"/>
+          </a:fontRef>
+        </p:style>
+      </p:cxnSp>
+      <p:sp>
+        <p:nvSpPr>
+          <p:cNvPr id="12" name="TextBox 11">
+            <a:extLst>
+              <a:ext uri="{FF2B5EF4-FFF2-40B4-BE49-F238E27FC236}">
+                <a16:creationId xmlns:a16="http://schemas.microsoft.com/office/drawing/2014/main" id="{5DABDD4C-2C09-BB6C-7747-0AC8B396C373}"/>
+              </a:ext>
+            </a:extLst>
+          </p:cNvPr>
+          <p:cNvSpPr txBox="1"/>
+          <p:nvPr/>
+        </p:nvSpPr>
+        <p:spPr>
+          <a:xfrm>
+            <a:off x="7355241" y="5970654"/>
+            <a:ext cx="716863" cy="461665"/>
+          </a:xfrm>
+          <a:prstGeom prst="rect">
+            <a:avLst/>
+          </a:prstGeom>
+          <a:noFill/>
+        </p:spPr>
+        <p:txBody>
+          <a:bodyPr wrap="none" rtlCol="0">
+            <a:spAutoFit/>
+          </a:bodyPr>
+          <a:lstStyle/>
+          <a:p>
+            <a:r>
+              <a:rPr lang="en-DE" sz="1200" dirty="0"/>
+              <a:t>273 GeV</a:t>
+            </a:r>
+            <a:br>
+              <a:rPr lang="en-DE" sz="1200" dirty="0"/>
+            </a:br>
+            <a:r>
+              <a:rPr lang="en-DE" sz="1200" dirty="0"/>
+              <a:t>(ecuts)</a:t>
+            </a:r>
+          </a:p>
+        </p:txBody>
+      </p:sp>
     </p:spTree>
     <p:extLst>
       <p:ext uri="{BB962C8B-B14F-4D97-AF65-F5344CB8AC3E}">
         <p14:creationId xmlns:p14="http://schemas.microsoft.com/office/powerpoint/2010/main" val="1376586402"/>
+      </p:ext>
+    </p:extLst>
+  </p:cSld>
+  <p:clrMapOvr>
+    <a:masterClrMapping/>
+  </p:clrMapOvr>
+</p:sld>
+</file>
+
+<file path=ppt/slides/slide4.xml><?xml version="1.0" encoding="utf-8"?>
+<p:sld xmlns:a="http://schemas.openxmlformats.org/drawingml/2006/main" xmlns:r="http://schemas.openxmlformats.org/officeDocument/2006/relationships" xmlns:p="http://schemas.openxmlformats.org/presentationml/2006/main">
+  <p:cSld>
+    <p:spTree>
+      <p:nvGrpSpPr>
+        <p:cNvPr id="1" name=""/>
+        <p:cNvGrpSpPr/>
+        <p:nvPr/>
+      </p:nvGrpSpPr>
+      <p:grpSpPr>
+        <a:xfrm>
+          <a:off x="0" y="0"/>
+          <a:ext cx="0" cy="0"/>
+          <a:chOff x="0" y="0"/>
+          <a:chExt cx="0" cy="0"/>
+        </a:xfrm>
+      </p:grpSpPr>
+      <p:sp>
+        <p:nvSpPr>
+          <p:cNvPr id="2" name="Title 1">
+            <a:extLst>
+              <a:ext uri="{FF2B5EF4-FFF2-40B4-BE49-F238E27FC236}">
+                <a16:creationId xmlns:a16="http://schemas.microsoft.com/office/drawing/2014/main" id="{53BA66B9-09E6-DF98-0414-F6202490D33B}"/>
+              </a:ext>
+            </a:extLst>
+          </p:cNvPr>
+          <p:cNvSpPr>
+            <a:spLocks noGrp="1"/>
+          </p:cNvSpPr>
+          <p:nvPr>
+            <p:ph type="title"/>
+          </p:nvPr>
+        </p:nvSpPr>
+        <p:spPr/>
+        <p:txBody>
+          <a:bodyPr/>
+          <a:lstStyle/>
+          <a:p>
+            <a:r>
+              <a:rPr lang="en-DE" dirty="0"/>
+              <a:t>Number of muons per shower at surface – old dataset</a:t>
+            </a:r>
+          </a:p>
+        </p:txBody>
+      </p:sp>
+      <p:sp>
+        <p:nvSpPr>
+          <p:cNvPr id="3" name="Content Placeholder 2">
+            <a:extLst>
+              <a:ext uri="{FF2B5EF4-FFF2-40B4-BE49-F238E27FC236}">
+                <a16:creationId xmlns:a16="http://schemas.microsoft.com/office/drawing/2014/main" id="{CDE5C068-1F42-5A7B-9CE1-CE12474B4DBE}"/>
+              </a:ext>
+            </a:extLst>
+          </p:cNvPr>
+          <p:cNvSpPr>
+            <a:spLocks noGrp="1"/>
+          </p:cNvSpPr>
+          <p:nvPr>
+            <p:ph idx="1"/>
+          </p:nvPr>
+        </p:nvSpPr>
+        <p:spPr/>
+        <p:txBody>
+          <a:bodyPr/>
+          <a:lstStyle/>
+          <a:p>
+            <a:endParaRPr lang="en-DE" dirty="0"/>
+          </a:p>
+        </p:txBody>
+      </p:sp>
+      <p:sp>
+        <p:nvSpPr>
+          <p:cNvPr id="4" name="Date Placeholder 3">
+            <a:extLst>
+              <a:ext uri="{FF2B5EF4-FFF2-40B4-BE49-F238E27FC236}">
+                <a16:creationId xmlns:a16="http://schemas.microsoft.com/office/drawing/2014/main" id="{4CFC615A-4932-E173-E8E8-A35931087B1D}"/>
+              </a:ext>
+            </a:extLst>
+          </p:cNvPr>
+          <p:cNvSpPr>
+            <a:spLocks noGrp="1"/>
+          </p:cNvSpPr>
+          <p:nvPr>
+            <p:ph type="dt" sz="half" idx="10"/>
+          </p:nvPr>
+        </p:nvSpPr>
+        <p:spPr/>
+        <p:txBody>
+          <a:bodyPr/>
+          <a:lstStyle/>
+          <a:p>
+            <a:r>
+              <a:rPr lang="de-DE"/>
+              <a:t>pascal.gutjahr@tu-dortmund.de</a:t>
+            </a:r>
+            <a:endParaRPr lang="en-US"/>
+          </a:p>
+        </p:txBody>
+      </p:sp>
+      <p:sp>
+        <p:nvSpPr>
+          <p:cNvPr id="5" name="Slide Number Placeholder 4">
+            <a:extLst>
+              <a:ext uri="{FF2B5EF4-FFF2-40B4-BE49-F238E27FC236}">
+                <a16:creationId xmlns:a16="http://schemas.microsoft.com/office/drawing/2014/main" id="{6A4114E3-E080-F606-0622-637DCFD9A727}"/>
+              </a:ext>
+            </a:extLst>
+          </p:cNvPr>
+          <p:cNvSpPr>
+            <a:spLocks noGrp="1"/>
+          </p:cNvSpPr>
+          <p:nvPr>
+            <p:ph type="sldNum" sz="quarter" idx="12"/>
+          </p:nvPr>
+        </p:nvSpPr>
+        <p:spPr/>
+        <p:txBody>
+          <a:bodyPr/>
+          <a:lstStyle/>
+          <a:p>
+            <a:fld id="{CD8304E6-5469-594D-85BC-E468E92D2243}" type="slidenum">
+              <a:rPr lang="en-US" smtClean="0"/>
+              <a:t>4</a:t>
+            </a:fld>
+            <a:endParaRPr lang="en-US"/>
+          </a:p>
+        </p:txBody>
+      </p:sp>
+      <p:pic>
+        <p:nvPicPr>
+          <p:cNvPr id="7" name="Picture 6">
+            <a:extLst>
+              <a:ext uri="{FF2B5EF4-FFF2-40B4-BE49-F238E27FC236}">
+                <a16:creationId xmlns:a16="http://schemas.microsoft.com/office/drawing/2014/main" id="{FD178DBF-F03C-54C6-3697-87C0A9E5D13E}"/>
+              </a:ext>
+            </a:extLst>
+          </p:cNvPr>
+          <p:cNvPicPr>
+            <a:picLocks noChangeAspect="1"/>
+          </p:cNvPicPr>
+          <p:nvPr/>
+        </p:nvPicPr>
+        <p:blipFill>
+          <a:blip r:embed="rId2"/>
+          <a:stretch>
+            <a:fillRect/>
+          </a:stretch>
+        </p:blipFill>
+        <p:spPr>
+          <a:xfrm>
+            <a:off x="6228985" y="1524794"/>
+            <a:ext cx="5334000" cy="4013200"/>
+          </a:xfrm>
+          <a:prstGeom prst="rect">
+            <a:avLst/>
+          </a:prstGeom>
+        </p:spPr>
+      </p:pic>
+      <p:pic>
+        <p:nvPicPr>
+          <p:cNvPr id="8" name="Picture 7">
+            <a:extLst>
+              <a:ext uri="{FF2B5EF4-FFF2-40B4-BE49-F238E27FC236}">
+                <a16:creationId xmlns:a16="http://schemas.microsoft.com/office/drawing/2014/main" id="{A8E0CED5-5101-F2D0-7599-53E585014E1A}"/>
+              </a:ext>
+            </a:extLst>
+          </p:cNvPr>
+          <p:cNvPicPr>
+            <a:picLocks noChangeAspect="1"/>
+          </p:cNvPicPr>
+          <p:nvPr/>
+        </p:nvPicPr>
+        <p:blipFill>
+          <a:blip r:embed="rId3"/>
+          <a:stretch>
+            <a:fillRect/>
+          </a:stretch>
+        </p:blipFill>
+        <p:spPr>
+          <a:xfrm>
+            <a:off x="629015" y="1524794"/>
+            <a:ext cx="5207000" cy="3987800"/>
+          </a:xfrm>
+          <a:prstGeom prst="rect">
+            <a:avLst/>
+          </a:prstGeom>
+        </p:spPr>
+      </p:pic>
+      <p:sp>
+        <p:nvSpPr>
+          <p:cNvPr id="9" name="Rounded Rectangle 8">
+            <a:extLst>
+              <a:ext uri="{FF2B5EF4-FFF2-40B4-BE49-F238E27FC236}">
+                <a16:creationId xmlns:a16="http://schemas.microsoft.com/office/drawing/2014/main" id="{F6412A2B-0D8E-4F09-8C3E-EA2185AD40CB}"/>
+              </a:ext>
+            </a:extLst>
+          </p:cNvPr>
+          <p:cNvSpPr/>
+          <p:nvPr/>
+        </p:nvSpPr>
+        <p:spPr>
+          <a:xfrm>
+            <a:off x="1293223" y="4101737"/>
+            <a:ext cx="313508" cy="1231469"/>
+          </a:xfrm>
+          <a:prstGeom prst="roundRect">
+            <a:avLst/>
+          </a:prstGeom>
+          <a:solidFill>
+            <a:srgbClr val="C00000">
+              <a:alpha val="54000"/>
+            </a:srgbClr>
+          </a:solidFill>
+          <a:ln>
+            <a:solidFill>
+              <a:srgbClr val="172C51">
+                <a:alpha val="22745"/>
+              </a:srgbClr>
+            </a:solidFill>
+          </a:ln>
+        </p:spPr>
+        <p:style>
+          <a:lnRef idx="2">
+            <a:schemeClr val="accent1">
+              <a:shade val="15000"/>
+            </a:schemeClr>
+          </a:lnRef>
+          <a:fillRef idx="1">
+            <a:schemeClr val="accent1"/>
+          </a:fillRef>
+          <a:effectRef idx="0">
+            <a:schemeClr val="accent1"/>
+          </a:effectRef>
+          <a:fontRef idx="minor">
+            <a:schemeClr val="lt1"/>
+          </a:fontRef>
+        </p:style>
+        <p:txBody>
+          <a:bodyPr rtlCol="0" anchor="ctr"/>
+          <a:lstStyle/>
+          <a:p>
+            <a:pPr algn="ctr"/>
+            <a:endParaRPr lang="en-DE" dirty="0"/>
+          </a:p>
+        </p:txBody>
+      </p:sp>
+      <p:sp>
+        <p:nvSpPr>
+          <p:cNvPr id="10" name="TextBox 9">
+            <a:extLst>
+              <a:ext uri="{FF2B5EF4-FFF2-40B4-BE49-F238E27FC236}">
+                <a16:creationId xmlns:a16="http://schemas.microsoft.com/office/drawing/2014/main" id="{E65E6112-DEEF-88E2-3336-D73489298FB7}"/>
+              </a:ext>
+            </a:extLst>
+          </p:cNvPr>
+          <p:cNvSpPr txBox="1"/>
+          <p:nvPr/>
+        </p:nvSpPr>
+        <p:spPr>
+          <a:xfrm>
+            <a:off x="538480" y="5691981"/>
+            <a:ext cx="4917693" cy="461665"/>
+          </a:xfrm>
+          <a:prstGeom prst="rect">
+            <a:avLst/>
+          </a:prstGeom>
+          <a:noFill/>
+        </p:spPr>
+        <p:txBody>
+          <a:bodyPr wrap="none" rtlCol="0">
+            <a:spAutoFit/>
+          </a:bodyPr>
+          <a:lstStyle/>
+          <a:p>
+            <a:r>
+              <a:rPr lang="en-DE" sz="1200" dirty="0">
+                <a:solidFill>
+                  <a:srgbClr val="C00000"/>
+                </a:solidFill>
+              </a:rPr>
+              <a:t>10 events with primary energy &gt; 1e10 GeV have only one muon at surface?!</a:t>
+            </a:r>
+            <a:br>
+              <a:rPr lang="en-DE" sz="1200" dirty="0">
+                <a:solidFill>
+                  <a:srgbClr val="C00000"/>
+                </a:solidFill>
+              </a:rPr>
+            </a:br>
+            <a:r>
+              <a:rPr lang="en-DE" sz="1200" dirty="0">
+                <a:solidFill>
+                  <a:srgbClr val="C00000"/>
+                </a:solidFill>
+              </a:rPr>
+              <a:t>(15 events have 0 muons at surface)</a:t>
+            </a:r>
+          </a:p>
+        </p:txBody>
+      </p:sp>
+    </p:spTree>
+    <p:extLst>
+      <p:ext uri="{BB962C8B-B14F-4D97-AF65-F5344CB8AC3E}">
+        <p14:creationId xmlns:p14="http://schemas.microsoft.com/office/powerpoint/2010/main" val="3942319941"/>
+      </p:ext>
+    </p:extLst>
+  </p:cSld>
+  <p:clrMapOvr>
+    <a:masterClrMapping/>
+  </p:clrMapOvr>
+</p:sld>
+</file>
+
+<file path=ppt/slides/slide5.xml><?xml version="1.0" encoding="utf-8"?>
+<p:sld xmlns:a="http://schemas.openxmlformats.org/drawingml/2006/main" xmlns:r="http://schemas.openxmlformats.org/officeDocument/2006/relationships" xmlns:p="http://schemas.openxmlformats.org/presentationml/2006/main">
+  <p:cSld>
+    <p:spTree>
+      <p:nvGrpSpPr>
+        <p:cNvPr id="1" name=""/>
+        <p:cNvGrpSpPr/>
+        <p:nvPr/>
+      </p:nvGrpSpPr>
+      <p:grpSpPr>
+        <a:xfrm>
+          <a:off x="0" y="0"/>
+          <a:ext cx="0" cy="0"/>
+          <a:chOff x="0" y="0"/>
+          <a:chExt cx="0" cy="0"/>
+        </a:xfrm>
+      </p:grpSpPr>
+      <p:sp>
+        <p:nvSpPr>
+          <p:cNvPr id="2" name="Title 1">
+            <a:extLst>
+              <a:ext uri="{FF2B5EF4-FFF2-40B4-BE49-F238E27FC236}">
+                <a16:creationId xmlns:a16="http://schemas.microsoft.com/office/drawing/2014/main" id="{7F2B89F4-B031-B141-58E4-C7F65D30060D}"/>
+              </a:ext>
+            </a:extLst>
+          </p:cNvPr>
+          <p:cNvSpPr>
+            <a:spLocks noGrp="1"/>
+          </p:cNvSpPr>
+          <p:nvPr>
+            <p:ph type="title"/>
+          </p:nvPr>
+        </p:nvSpPr>
+        <p:spPr/>
+        <p:txBody>
+          <a:bodyPr/>
+          <a:lstStyle/>
+          <a:p>
+            <a:r>
+              <a:rPr lang="en-DE" dirty="0"/>
+              <a:t>No muons at surface – old dataset</a:t>
+            </a:r>
+          </a:p>
+        </p:txBody>
+      </p:sp>
+      <p:sp>
+        <p:nvSpPr>
+          <p:cNvPr id="4" name="Date Placeholder 3">
+            <a:extLst>
+              <a:ext uri="{FF2B5EF4-FFF2-40B4-BE49-F238E27FC236}">
+                <a16:creationId xmlns:a16="http://schemas.microsoft.com/office/drawing/2014/main" id="{33D16F16-FC67-3552-5C21-DC6F58E9E938}"/>
+              </a:ext>
+            </a:extLst>
+          </p:cNvPr>
+          <p:cNvSpPr>
+            <a:spLocks noGrp="1"/>
+          </p:cNvSpPr>
+          <p:nvPr>
+            <p:ph type="dt" sz="half" idx="10"/>
+          </p:nvPr>
+        </p:nvSpPr>
+        <p:spPr/>
+        <p:txBody>
+          <a:bodyPr/>
+          <a:lstStyle/>
+          <a:p>
+            <a:r>
+              <a:rPr lang="de-DE"/>
+              <a:t>pascal.gutjahr@tu-dortmund.de</a:t>
+            </a:r>
+            <a:endParaRPr lang="en-US"/>
+          </a:p>
+        </p:txBody>
+      </p:sp>
+      <p:sp>
+        <p:nvSpPr>
+          <p:cNvPr id="5" name="Slide Number Placeholder 4">
+            <a:extLst>
+              <a:ext uri="{FF2B5EF4-FFF2-40B4-BE49-F238E27FC236}">
+                <a16:creationId xmlns:a16="http://schemas.microsoft.com/office/drawing/2014/main" id="{A0079DA8-2F53-7E3A-BE8F-0E427920C783}"/>
+              </a:ext>
+            </a:extLst>
+          </p:cNvPr>
+          <p:cNvSpPr>
+            <a:spLocks noGrp="1"/>
+          </p:cNvSpPr>
+          <p:nvPr>
+            <p:ph type="sldNum" sz="quarter" idx="12"/>
+          </p:nvPr>
+        </p:nvSpPr>
+        <p:spPr/>
+        <p:txBody>
+          <a:bodyPr/>
+          <a:lstStyle/>
+          <a:p>
+            <a:fld id="{CD8304E6-5469-594D-85BC-E468E92D2243}" type="slidenum">
+              <a:rPr lang="en-US" smtClean="0"/>
+              <a:t>5</a:t>
+            </a:fld>
+            <a:endParaRPr lang="en-US"/>
+          </a:p>
+        </p:txBody>
+      </p:sp>
+      <p:pic>
+        <p:nvPicPr>
+          <p:cNvPr id="6" name="Picture 5">
+            <a:extLst>
+              <a:ext uri="{FF2B5EF4-FFF2-40B4-BE49-F238E27FC236}">
+                <a16:creationId xmlns:a16="http://schemas.microsoft.com/office/drawing/2014/main" id="{A891F21A-45EB-4843-C81D-547370575369}"/>
+              </a:ext>
+            </a:extLst>
+          </p:cNvPr>
+          <p:cNvPicPr>
+            <a:picLocks noChangeAspect="1"/>
+          </p:cNvPicPr>
+          <p:nvPr/>
+        </p:nvPicPr>
+        <p:blipFill>
+          <a:blip r:embed="rId2"/>
+          <a:stretch>
+            <a:fillRect/>
+          </a:stretch>
+        </p:blipFill>
+        <p:spPr>
+          <a:xfrm>
+            <a:off x="0" y="1454150"/>
+            <a:ext cx="5207000" cy="3949700"/>
+          </a:xfrm>
+          <a:prstGeom prst="rect">
+            <a:avLst/>
+          </a:prstGeom>
+        </p:spPr>
+      </p:pic>
+      <p:sp>
+        <p:nvSpPr>
+          <p:cNvPr id="7" name="TextBox 6">
+            <a:extLst>
+              <a:ext uri="{FF2B5EF4-FFF2-40B4-BE49-F238E27FC236}">
+                <a16:creationId xmlns:a16="http://schemas.microsoft.com/office/drawing/2014/main" id="{DE0507E3-7516-02D7-F42E-EC084E81C0A7}"/>
+              </a:ext>
+            </a:extLst>
+          </p:cNvPr>
+          <p:cNvSpPr txBox="1"/>
+          <p:nvPr/>
+        </p:nvSpPr>
+        <p:spPr>
+          <a:xfrm>
+            <a:off x="2936428" y="5699590"/>
+            <a:ext cx="2933624" cy="523220"/>
+          </a:xfrm>
+          <a:prstGeom prst="rect">
+            <a:avLst/>
+          </a:prstGeom>
+          <a:noFill/>
+        </p:spPr>
+        <p:txBody>
+          <a:bodyPr wrap="none" rtlCol="0">
+            <a:spAutoFit/>
+          </a:bodyPr>
+          <a:lstStyle/>
+          <a:p>
+            <a:r>
+              <a:rPr lang="en-DE" sz="1400" dirty="0">
+                <a:solidFill>
+                  <a:schemeClr val="accent6"/>
+                </a:solidFill>
+              </a:rPr>
+              <a:t>no muons for very horizontal showers</a:t>
+            </a:r>
+          </a:p>
+          <a:p>
+            <a:r>
+              <a:rPr lang="en-DE" sz="1400" dirty="0">
+                <a:solidFill>
+                  <a:schemeClr val="accent6"/>
+                </a:solidFill>
+              </a:rPr>
+              <a:t>at high energies</a:t>
+            </a:r>
+          </a:p>
+        </p:txBody>
+      </p:sp>
+      <p:cxnSp>
+        <p:nvCxnSpPr>
+          <p:cNvPr id="9" name="Straight Arrow Connector 8">
+            <a:extLst>
+              <a:ext uri="{FF2B5EF4-FFF2-40B4-BE49-F238E27FC236}">
+                <a16:creationId xmlns:a16="http://schemas.microsoft.com/office/drawing/2014/main" id="{8AE3E644-18E0-BB38-0EC8-44264C68FB34}"/>
+              </a:ext>
+            </a:extLst>
+          </p:cNvPr>
+          <p:cNvCxnSpPr>
+            <a:cxnSpLocks/>
+            <a:stCxn id="7" idx="0"/>
+          </p:cNvCxnSpPr>
+          <p:nvPr/>
+        </p:nvCxnSpPr>
+        <p:spPr>
+          <a:xfrm flipV="1">
+            <a:off x="4403240" y="5002306"/>
+            <a:ext cx="437701" cy="697284"/>
+          </a:xfrm>
+          <a:prstGeom prst="straightConnector1">
+            <a:avLst/>
+          </a:prstGeom>
+          <a:ln>
+            <a:solidFill>
+              <a:schemeClr val="accent6"/>
+            </a:solidFill>
+            <a:tailEnd type="triangle"/>
+          </a:ln>
+        </p:spPr>
+        <p:style>
+          <a:lnRef idx="1">
+            <a:schemeClr val="accent1"/>
+          </a:lnRef>
+          <a:fillRef idx="0">
+            <a:schemeClr val="accent1"/>
+          </a:fillRef>
+          <a:effectRef idx="0">
+            <a:schemeClr val="accent1"/>
+          </a:effectRef>
+          <a:fontRef idx="minor">
+            <a:schemeClr val="tx1"/>
+          </a:fontRef>
+        </p:style>
+      </p:cxnSp>
+      <p:pic>
+        <p:nvPicPr>
+          <p:cNvPr id="10" name="Picture 9">
+            <a:extLst>
+              <a:ext uri="{FF2B5EF4-FFF2-40B4-BE49-F238E27FC236}">
+                <a16:creationId xmlns:a16="http://schemas.microsoft.com/office/drawing/2014/main" id="{3D7B10F0-61D4-A2CD-ED18-4D962399D37D}"/>
+              </a:ext>
+            </a:extLst>
+          </p:cNvPr>
+          <p:cNvPicPr>
+            <a:picLocks noChangeAspect="1"/>
+          </p:cNvPicPr>
+          <p:nvPr/>
+        </p:nvPicPr>
+        <p:blipFill>
+          <a:blip r:embed="rId3"/>
+          <a:stretch>
+            <a:fillRect/>
+          </a:stretch>
+        </p:blipFill>
+        <p:spPr>
+          <a:xfrm>
+            <a:off x="6656294" y="916270"/>
+            <a:ext cx="4588436" cy="3430297"/>
+          </a:xfrm>
+          <a:prstGeom prst="rect">
+            <a:avLst/>
+          </a:prstGeom>
+        </p:spPr>
+      </p:pic>
+      <p:sp>
+        <p:nvSpPr>
+          <p:cNvPr id="11" name="TextBox 10">
+            <a:extLst>
+              <a:ext uri="{FF2B5EF4-FFF2-40B4-BE49-F238E27FC236}">
+                <a16:creationId xmlns:a16="http://schemas.microsoft.com/office/drawing/2014/main" id="{13ABBA8A-032B-93AD-72C5-4024AF895EB7}"/>
+              </a:ext>
+            </a:extLst>
+          </p:cNvPr>
+          <p:cNvSpPr txBox="1"/>
+          <p:nvPr/>
+        </p:nvSpPr>
+        <p:spPr>
+          <a:xfrm>
+            <a:off x="7516906" y="13449"/>
+            <a:ext cx="3212354" cy="738664"/>
+          </a:xfrm>
+          <a:prstGeom prst="rect">
+            <a:avLst/>
+          </a:prstGeom>
+          <a:noFill/>
+        </p:spPr>
+        <p:txBody>
+          <a:bodyPr wrap="none" rtlCol="0">
+            <a:spAutoFit/>
+          </a:bodyPr>
+          <a:lstStyle/>
+          <a:p>
+            <a:r>
+              <a:rPr lang="en-DE" sz="1400" dirty="0">
+                <a:solidFill>
+                  <a:schemeClr val="accent6"/>
+                </a:solidFill>
+              </a:rPr>
+              <a:t>most events without any muon at surface</a:t>
+            </a:r>
+          </a:p>
+          <a:p>
+            <a:r>
+              <a:rPr lang="en-DE" sz="1400" dirty="0">
+                <a:solidFill>
+                  <a:schemeClr val="accent6"/>
+                </a:solidFill>
+              </a:rPr>
+              <a:t>are low-energetic (E_primary &lt; 1e4 GeV)</a:t>
+            </a:r>
+            <a:br>
+              <a:rPr lang="en-DE" sz="1400" dirty="0">
+                <a:solidFill>
+                  <a:schemeClr val="accent6"/>
+                </a:solidFill>
+              </a:rPr>
+            </a:br>
+            <a:r>
+              <a:rPr lang="en-DE" sz="1400" dirty="0">
+                <a:solidFill>
+                  <a:schemeClr val="accent6"/>
+                </a:solidFill>
+                <a:sym typeface="Wingdings" pitchFamily="2" charset="2"/>
+              </a:rPr>
+              <a:t> muons are removed by ecuts</a:t>
+            </a:r>
+            <a:endParaRPr lang="en-DE" sz="1400" dirty="0">
+              <a:solidFill>
+                <a:schemeClr val="accent6"/>
+              </a:solidFill>
+            </a:endParaRPr>
+          </a:p>
+        </p:txBody>
+      </p:sp>
+      <p:cxnSp>
+        <p:nvCxnSpPr>
+          <p:cNvPr id="13" name="Straight Arrow Connector 12">
+            <a:extLst>
+              <a:ext uri="{FF2B5EF4-FFF2-40B4-BE49-F238E27FC236}">
+                <a16:creationId xmlns:a16="http://schemas.microsoft.com/office/drawing/2014/main" id="{48E45CD7-645F-9DCD-73D7-39D5106ED413}"/>
+              </a:ext>
+            </a:extLst>
+          </p:cNvPr>
+          <p:cNvCxnSpPr>
+            <a:cxnSpLocks/>
+            <a:stCxn id="11" idx="2"/>
+          </p:cNvCxnSpPr>
+          <p:nvPr/>
+        </p:nvCxnSpPr>
+        <p:spPr>
+          <a:xfrm>
+            <a:off x="9123083" y="752113"/>
+            <a:ext cx="141941" cy="1009452"/>
+          </a:xfrm>
+          <a:prstGeom prst="straightConnector1">
+            <a:avLst/>
+          </a:prstGeom>
+          <a:ln>
+            <a:solidFill>
+              <a:schemeClr val="accent6"/>
+            </a:solidFill>
+            <a:tailEnd type="triangle"/>
+          </a:ln>
+        </p:spPr>
+        <p:style>
+          <a:lnRef idx="1">
+            <a:schemeClr val="accent1"/>
+          </a:lnRef>
+          <a:fillRef idx="0">
+            <a:schemeClr val="accent1"/>
+          </a:fillRef>
+          <a:effectRef idx="0">
+            <a:schemeClr val="accent1"/>
+          </a:effectRef>
+          <a:fontRef idx="minor">
+            <a:schemeClr val="tx1"/>
+          </a:fontRef>
+        </p:style>
+      </p:cxnSp>
+      <p:cxnSp>
+        <p:nvCxnSpPr>
+          <p:cNvPr id="15" name="Straight Arrow Connector 14">
+            <a:extLst>
+              <a:ext uri="{FF2B5EF4-FFF2-40B4-BE49-F238E27FC236}">
+                <a16:creationId xmlns:a16="http://schemas.microsoft.com/office/drawing/2014/main" id="{4FD80D74-88C7-8D28-FA29-399783B4213F}"/>
+              </a:ext>
+            </a:extLst>
+          </p:cNvPr>
+          <p:cNvCxnSpPr>
+            <a:cxnSpLocks/>
+            <a:stCxn id="11" idx="2"/>
+          </p:cNvCxnSpPr>
+          <p:nvPr/>
+        </p:nvCxnSpPr>
+        <p:spPr>
+          <a:xfrm>
+            <a:off x="9123083" y="752113"/>
+            <a:ext cx="1029446" cy="351676"/>
+          </a:xfrm>
+          <a:prstGeom prst="straightConnector1">
+            <a:avLst/>
+          </a:prstGeom>
+          <a:ln>
+            <a:solidFill>
+              <a:schemeClr val="accent6"/>
+            </a:solidFill>
+            <a:tailEnd type="triangle"/>
+          </a:ln>
+        </p:spPr>
+        <p:style>
+          <a:lnRef idx="1">
+            <a:schemeClr val="accent1"/>
+          </a:lnRef>
+          <a:fillRef idx="0">
+            <a:schemeClr val="accent1"/>
+          </a:fillRef>
+          <a:effectRef idx="0">
+            <a:schemeClr val="accent1"/>
+          </a:effectRef>
+          <a:fontRef idx="minor">
+            <a:schemeClr val="tx1"/>
+          </a:fontRef>
+        </p:style>
+      </p:cxnSp>
+      <p:pic>
+        <p:nvPicPr>
+          <p:cNvPr id="16" name="Picture 15">
+            <a:extLst>
+              <a:ext uri="{FF2B5EF4-FFF2-40B4-BE49-F238E27FC236}">
+                <a16:creationId xmlns:a16="http://schemas.microsoft.com/office/drawing/2014/main" id="{DBED9E33-215B-E1B6-7573-25A8D30C0171}"/>
+              </a:ext>
+            </a:extLst>
+          </p:cNvPr>
+          <p:cNvPicPr>
+            <a:picLocks noChangeAspect="1"/>
+          </p:cNvPicPr>
+          <p:nvPr/>
+        </p:nvPicPr>
+        <p:blipFill>
+          <a:blip r:embed="rId4"/>
+          <a:stretch>
+            <a:fillRect/>
+          </a:stretch>
+        </p:blipFill>
+        <p:spPr>
+          <a:xfrm>
+            <a:off x="6321950" y="4370049"/>
+            <a:ext cx="3074027" cy="2365795"/>
+          </a:xfrm>
+          <a:prstGeom prst="rect">
+            <a:avLst/>
+          </a:prstGeom>
+        </p:spPr>
+      </p:pic>
+      <p:cxnSp>
+        <p:nvCxnSpPr>
+          <p:cNvPr id="18" name="Curved Connector 17">
+            <a:extLst>
+              <a:ext uri="{FF2B5EF4-FFF2-40B4-BE49-F238E27FC236}">
+                <a16:creationId xmlns:a16="http://schemas.microsoft.com/office/drawing/2014/main" id="{416F3F39-6B53-D009-E9B0-543DA3BE6EAF}"/>
+              </a:ext>
+            </a:extLst>
+          </p:cNvPr>
+          <p:cNvCxnSpPr>
+            <a:cxnSpLocks/>
+            <a:endCxn id="16" idx="1"/>
+          </p:cNvCxnSpPr>
+          <p:nvPr/>
+        </p:nvCxnSpPr>
+        <p:spPr>
+          <a:xfrm>
+            <a:off x="4840941" y="4625788"/>
+            <a:ext cx="1481009" cy="927159"/>
+          </a:xfrm>
+          <a:prstGeom prst="curvedConnector3">
+            <a:avLst/>
+          </a:prstGeom>
+          <a:ln>
+            <a:solidFill>
+              <a:schemeClr val="accent6"/>
+            </a:solidFill>
+            <a:tailEnd type="triangle"/>
+          </a:ln>
+        </p:spPr>
+        <p:style>
+          <a:lnRef idx="1">
+            <a:schemeClr val="accent1"/>
+          </a:lnRef>
+          <a:fillRef idx="0">
+            <a:schemeClr val="accent1"/>
+          </a:fillRef>
+          <a:effectRef idx="0">
+            <a:schemeClr val="accent1"/>
+          </a:effectRef>
+          <a:fontRef idx="minor">
+            <a:schemeClr val="tx1"/>
+          </a:fontRef>
+        </p:style>
+      </p:cxnSp>
+      <p:sp>
+        <p:nvSpPr>
+          <p:cNvPr id="20" name="TextBox 19">
+            <a:extLst>
+              <a:ext uri="{FF2B5EF4-FFF2-40B4-BE49-F238E27FC236}">
+                <a16:creationId xmlns:a16="http://schemas.microsoft.com/office/drawing/2014/main" id="{07BB5D88-FDF2-745D-21FF-297A8BF6FCAD}"/>
+              </a:ext>
+            </a:extLst>
+          </p:cNvPr>
+          <p:cNvSpPr txBox="1"/>
+          <p:nvPr/>
+        </p:nvSpPr>
+        <p:spPr>
+          <a:xfrm>
+            <a:off x="9369849" y="5582667"/>
+            <a:ext cx="2718821" cy="523220"/>
+          </a:xfrm>
+          <a:prstGeom prst="rect">
+            <a:avLst/>
+          </a:prstGeom>
+          <a:noFill/>
+        </p:spPr>
+        <p:txBody>
+          <a:bodyPr wrap="none" rtlCol="0">
+            <a:spAutoFit/>
+          </a:bodyPr>
+          <a:lstStyle/>
+          <a:p>
+            <a:r>
+              <a:rPr lang="en-DE" sz="1400" dirty="0"/>
+              <a:t>single muons of high-energetic </a:t>
+            </a:r>
+          </a:p>
+          <a:p>
+            <a:r>
+              <a:rPr lang="en-DE" sz="1400" dirty="0"/>
+              <a:t>primary showers are low-energetic</a:t>
+            </a:r>
+          </a:p>
+        </p:txBody>
+      </p:sp>
+    </p:spTree>
+    <p:extLst>
+      <p:ext uri="{BB962C8B-B14F-4D97-AF65-F5344CB8AC3E}">
+        <p14:creationId xmlns:p14="http://schemas.microsoft.com/office/powerpoint/2010/main" val="1872472921"/>
+      </p:ext>
+    </p:extLst>
+  </p:cSld>
+  <p:clrMapOvr>
+    <a:masterClrMapping/>
+  </p:clrMapOvr>
+</p:sld>
+</file>
+
+<file path=ppt/slides/slide6.xml><?xml version="1.0" encoding="utf-8"?>
+<p:sld xmlns:a="http://schemas.openxmlformats.org/drawingml/2006/main" xmlns:r="http://schemas.openxmlformats.org/officeDocument/2006/relationships" xmlns:p="http://schemas.openxmlformats.org/presentationml/2006/main">
+  <p:cSld>
+    <p:spTree>
+      <p:nvGrpSpPr>
+        <p:cNvPr id="1" name=""/>
+        <p:cNvGrpSpPr/>
+        <p:nvPr/>
+      </p:nvGrpSpPr>
+      <p:grpSpPr>
+        <a:xfrm>
+          <a:off x="0" y="0"/>
+          <a:ext cx="0" cy="0"/>
+          <a:chOff x="0" y="0"/>
+          <a:chExt cx="0" cy="0"/>
+        </a:xfrm>
+      </p:grpSpPr>
+      <p:sp>
+        <p:nvSpPr>
+          <p:cNvPr id="2" name="Title 1">
+            <a:extLst>
+              <a:ext uri="{FF2B5EF4-FFF2-40B4-BE49-F238E27FC236}">
+                <a16:creationId xmlns:a16="http://schemas.microsoft.com/office/drawing/2014/main" id="{9E3AC2F6-0FE1-BE95-7A2E-9A3DC0F816D6}"/>
+              </a:ext>
+            </a:extLst>
+          </p:cNvPr>
+          <p:cNvSpPr>
+            <a:spLocks noGrp="1"/>
+          </p:cNvSpPr>
+          <p:nvPr>
+            <p:ph type="title"/>
+          </p:nvPr>
+        </p:nvSpPr>
+        <p:spPr/>
+        <p:txBody>
+          <a:bodyPr/>
+          <a:lstStyle/>
+          <a:p>
+            <a:r>
+              <a:rPr lang="en-DE" dirty="0"/>
+              <a:t>Number of muons per shower – new dataset</a:t>
+            </a:r>
+          </a:p>
+        </p:txBody>
+      </p:sp>
+      <p:sp>
+        <p:nvSpPr>
+          <p:cNvPr id="4" name="Date Placeholder 3">
+            <a:extLst>
+              <a:ext uri="{FF2B5EF4-FFF2-40B4-BE49-F238E27FC236}">
+                <a16:creationId xmlns:a16="http://schemas.microsoft.com/office/drawing/2014/main" id="{DF06D91D-84F4-F17F-BCFF-02E3E5DAE46C}"/>
+              </a:ext>
+            </a:extLst>
+          </p:cNvPr>
+          <p:cNvSpPr>
+            <a:spLocks noGrp="1"/>
+          </p:cNvSpPr>
+          <p:nvPr>
+            <p:ph type="dt" sz="half" idx="10"/>
+          </p:nvPr>
+        </p:nvSpPr>
+        <p:spPr/>
+        <p:txBody>
+          <a:bodyPr/>
+          <a:lstStyle/>
+          <a:p>
+            <a:r>
+              <a:rPr lang="de-DE"/>
+              <a:t>pascal.gutjahr@tu-dortmund.de</a:t>
+            </a:r>
+            <a:endParaRPr lang="en-US"/>
+          </a:p>
+        </p:txBody>
+      </p:sp>
+      <p:sp>
+        <p:nvSpPr>
+          <p:cNvPr id="5" name="Slide Number Placeholder 4">
+            <a:extLst>
+              <a:ext uri="{FF2B5EF4-FFF2-40B4-BE49-F238E27FC236}">
+                <a16:creationId xmlns:a16="http://schemas.microsoft.com/office/drawing/2014/main" id="{C0EB872F-5975-C197-B198-4BF4D5FA3336}"/>
+              </a:ext>
+            </a:extLst>
+          </p:cNvPr>
+          <p:cNvSpPr>
+            <a:spLocks noGrp="1"/>
+          </p:cNvSpPr>
+          <p:nvPr>
+            <p:ph type="sldNum" sz="quarter" idx="12"/>
+          </p:nvPr>
+        </p:nvSpPr>
+        <p:spPr/>
+        <p:txBody>
+          <a:bodyPr/>
+          <a:lstStyle/>
+          <a:p>
+            <a:fld id="{CD8304E6-5469-594D-85BC-E468E92D2243}" type="slidenum">
+              <a:rPr lang="en-US" smtClean="0"/>
+              <a:t>6</a:t>
+            </a:fld>
+            <a:endParaRPr lang="en-US"/>
+          </a:p>
+        </p:txBody>
+      </p:sp>
+      <p:pic>
+        <p:nvPicPr>
+          <p:cNvPr id="6" name="Picture 5">
+            <a:extLst>
+              <a:ext uri="{FF2B5EF4-FFF2-40B4-BE49-F238E27FC236}">
+                <a16:creationId xmlns:a16="http://schemas.microsoft.com/office/drawing/2014/main" id="{21D64C7B-9059-27E4-FFE2-3A974DC8A833}"/>
+              </a:ext>
+            </a:extLst>
+          </p:cNvPr>
+          <p:cNvPicPr>
+            <a:picLocks noChangeAspect="1"/>
+          </p:cNvPicPr>
+          <p:nvPr/>
+        </p:nvPicPr>
+        <p:blipFill>
+          <a:blip r:embed="rId2"/>
+          <a:stretch>
+            <a:fillRect/>
+          </a:stretch>
+        </p:blipFill>
+        <p:spPr>
+          <a:xfrm>
+            <a:off x="129988" y="1542676"/>
+            <a:ext cx="5334000" cy="3987800"/>
+          </a:xfrm>
+          <a:prstGeom prst="rect">
+            <a:avLst/>
+          </a:prstGeom>
+        </p:spPr>
+      </p:pic>
+      <p:pic>
+        <p:nvPicPr>
+          <p:cNvPr id="7" name="Picture 6">
+            <a:extLst>
+              <a:ext uri="{FF2B5EF4-FFF2-40B4-BE49-F238E27FC236}">
+                <a16:creationId xmlns:a16="http://schemas.microsoft.com/office/drawing/2014/main" id="{F9328738-D808-F6AA-3362-20FF6C277D14}"/>
+              </a:ext>
+            </a:extLst>
+          </p:cNvPr>
+          <p:cNvPicPr>
+            <a:picLocks noChangeAspect="1"/>
+          </p:cNvPicPr>
+          <p:nvPr/>
+        </p:nvPicPr>
+        <p:blipFill>
+          <a:blip r:embed="rId3"/>
+          <a:stretch>
+            <a:fillRect/>
+          </a:stretch>
+        </p:blipFill>
+        <p:spPr>
+          <a:xfrm>
+            <a:off x="6292485" y="1561726"/>
+            <a:ext cx="5283200" cy="3949700"/>
+          </a:xfrm>
+          <a:prstGeom prst="rect">
+            <a:avLst/>
+          </a:prstGeom>
+        </p:spPr>
+      </p:pic>
+      <p:sp>
+        <p:nvSpPr>
+          <p:cNvPr id="8" name="TextBox 7">
+            <a:extLst>
+              <a:ext uri="{FF2B5EF4-FFF2-40B4-BE49-F238E27FC236}">
+                <a16:creationId xmlns:a16="http://schemas.microsoft.com/office/drawing/2014/main" id="{0CCCF4D9-A99D-DFE0-B300-2D2C3F214A8E}"/>
+              </a:ext>
+            </a:extLst>
+          </p:cNvPr>
+          <p:cNvSpPr txBox="1"/>
+          <p:nvPr/>
+        </p:nvSpPr>
+        <p:spPr>
+          <a:xfrm>
+            <a:off x="4950515" y="5965712"/>
+            <a:ext cx="2683940" cy="646331"/>
+          </a:xfrm>
+          <a:prstGeom prst="rect">
+            <a:avLst/>
+          </a:prstGeom>
+          <a:noFill/>
+        </p:spPr>
+        <p:txBody>
+          <a:bodyPr wrap="none" rtlCol="0">
+            <a:spAutoFit/>
+          </a:bodyPr>
+          <a:lstStyle/>
+          <a:p>
+            <a:r>
+              <a:rPr lang="en-DE" dirty="0"/>
+              <a:t>all muons E &lt; 1e4 GeV are </a:t>
+            </a:r>
+          </a:p>
+          <a:p>
+            <a:r>
+              <a:rPr lang="en-DE" dirty="0"/>
+              <a:t>removed while processing</a:t>
+            </a:r>
+          </a:p>
+        </p:txBody>
+      </p:sp>
+    </p:spTree>
+    <p:extLst>
+      <p:ext uri="{BB962C8B-B14F-4D97-AF65-F5344CB8AC3E}">
+        <p14:creationId xmlns:p14="http://schemas.microsoft.com/office/powerpoint/2010/main" val="2832971660"/>
+      </p:ext>
+    </p:extLst>
+  </p:cSld>
+  <p:clrMapOvr>
+    <a:masterClrMapping/>
+  </p:clrMapOvr>
+</p:sld>
+</file>
+
+<file path=ppt/slides/slide7.xml><?xml version="1.0" encoding="utf-8"?>
+<p:sld xmlns:a="http://schemas.openxmlformats.org/drawingml/2006/main" xmlns:r="http://schemas.openxmlformats.org/officeDocument/2006/relationships" xmlns:p="http://schemas.openxmlformats.org/presentationml/2006/main">
+  <p:cSld>
+    <p:spTree>
+      <p:nvGrpSpPr>
+        <p:cNvPr id="1" name=""/>
+        <p:cNvGrpSpPr/>
+        <p:nvPr/>
+      </p:nvGrpSpPr>
+      <p:grpSpPr>
+        <a:xfrm>
+          <a:off x="0" y="0"/>
+          <a:ext cx="0" cy="0"/>
+          <a:chOff x="0" y="0"/>
+          <a:chExt cx="0" cy="0"/>
+        </a:xfrm>
+      </p:grpSpPr>
+      <p:sp>
+        <p:nvSpPr>
+          <p:cNvPr id="2" name="Title 1">
+            <a:extLst>
+              <a:ext uri="{FF2B5EF4-FFF2-40B4-BE49-F238E27FC236}">
+                <a16:creationId xmlns:a16="http://schemas.microsoft.com/office/drawing/2014/main" id="{1E786698-3F49-38A0-038C-313CFCDBBC83}"/>
+              </a:ext>
+            </a:extLst>
+          </p:cNvPr>
+          <p:cNvSpPr>
+            <a:spLocks noGrp="1"/>
+          </p:cNvSpPr>
+          <p:nvPr>
+            <p:ph type="title"/>
+          </p:nvPr>
+        </p:nvSpPr>
+        <p:spPr/>
+        <p:txBody>
+          <a:bodyPr/>
+          <a:lstStyle/>
+          <a:p>
+            <a:r>
+              <a:rPr lang="en-DE" dirty="0"/>
+              <a:t>Different seasons – old dataset</a:t>
+            </a:r>
+          </a:p>
+        </p:txBody>
+      </p:sp>
+      <p:sp>
+        <p:nvSpPr>
+          <p:cNvPr id="4" name="Date Placeholder 3">
+            <a:extLst>
+              <a:ext uri="{FF2B5EF4-FFF2-40B4-BE49-F238E27FC236}">
+                <a16:creationId xmlns:a16="http://schemas.microsoft.com/office/drawing/2014/main" id="{1C33F71B-0F66-C94D-4FCD-984112366FE1}"/>
+              </a:ext>
+            </a:extLst>
+          </p:cNvPr>
+          <p:cNvSpPr>
+            <a:spLocks noGrp="1"/>
+          </p:cNvSpPr>
+          <p:nvPr>
+            <p:ph type="dt" sz="half" idx="10"/>
+          </p:nvPr>
+        </p:nvSpPr>
+        <p:spPr/>
+        <p:txBody>
+          <a:bodyPr/>
+          <a:lstStyle/>
+          <a:p>
+            <a:r>
+              <a:rPr lang="de-DE"/>
+              <a:t>pascal.gutjahr@tu-dortmund.de</a:t>
+            </a:r>
+            <a:endParaRPr lang="en-US"/>
+          </a:p>
+        </p:txBody>
+      </p:sp>
+      <p:sp>
+        <p:nvSpPr>
+          <p:cNvPr id="5" name="Slide Number Placeholder 4">
+            <a:extLst>
+              <a:ext uri="{FF2B5EF4-FFF2-40B4-BE49-F238E27FC236}">
+                <a16:creationId xmlns:a16="http://schemas.microsoft.com/office/drawing/2014/main" id="{CC2828B3-1B00-0CFD-5DF0-0EF41107D2EA}"/>
+              </a:ext>
+            </a:extLst>
+          </p:cNvPr>
+          <p:cNvSpPr>
+            <a:spLocks noGrp="1"/>
+          </p:cNvSpPr>
+          <p:nvPr>
+            <p:ph type="sldNum" sz="quarter" idx="12"/>
+          </p:nvPr>
+        </p:nvSpPr>
+        <p:spPr/>
+        <p:txBody>
+          <a:bodyPr/>
+          <a:lstStyle/>
+          <a:p>
+            <a:fld id="{CD8304E6-5469-594D-85BC-E468E92D2243}" type="slidenum">
+              <a:rPr lang="en-US" smtClean="0"/>
+              <a:t>7</a:t>
+            </a:fld>
+            <a:endParaRPr lang="en-US"/>
+          </a:p>
+        </p:txBody>
+      </p:sp>
+      <p:pic>
+        <p:nvPicPr>
+          <p:cNvPr id="6" name="Picture 5">
+            <a:extLst>
+              <a:ext uri="{FF2B5EF4-FFF2-40B4-BE49-F238E27FC236}">
+                <a16:creationId xmlns:a16="http://schemas.microsoft.com/office/drawing/2014/main" id="{E0120DD0-F73E-0B6A-AFE0-2E72B20C87A3}"/>
+              </a:ext>
+            </a:extLst>
+          </p:cNvPr>
+          <p:cNvPicPr>
+            <a:picLocks noChangeAspect="1"/>
+          </p:cNvPicPr>
+          <p:nvPr/>
+        </p:nvPicPr>
+        <p:blipFill rotWithShape="1">
+          <a:blip r:embed="rId2"/>
+          <a:srcRect t="8351"/>
+          <a:stretch/>
+        </p:blipFill>
+        <p:spPr>
+          <a:xfrm>
+            <a:off x="313508" y="1867989"/>
+            <a:ext cx="5626100" cy="4156344"/>
+          </a:xfrm>
+          <a:prstGeom prst="rect">
+            <a:avLst/>
+          </a:prstGeom>
+        </p:spPr>
+      </p:pic>
+      <p:pic>
+        <p:nvPicPr>
+          <p:cNvPr id="7" name="Picture 6">
+            <a:extLst>
+              <a:ext uri="{FF2B5EF4-FFF2-40B4-BE49-F238E27FC236}">
+                <a16:creationId xmlns:a16="http://schemas.microsoft.com/office/drawing/2014/main" id="{E29DF855-3006-91E3-D4E1-4BD9C18DAC57}"/>
+              </a:ext>
+            </a:extLst>
+          </p:cNvPr>
+          <p:cNvPicPr>
+            <a:picLocks noChangeAspect="1"/>
+          </p:cNvPicPr>
+          <p:nvPr/>
+        </p:nvPicPr>
+        <p:blipFill rotWithShape="1">
+          <a:blip r:embed="rId3"/>
+          <a:srcRect t="8351"/>
+          <a:stretch/>
+        </p:blipFill>
+        <p:spPr>
+          <a:xfrm>
+            <a:off x="6096000" y="1867989"/>
+            <a:ext cx="5626100" cy="4156344"/>
+          </a:xfrm>
+          <a:prstGeom prst="rect">
+            <a:avLst/>
+          </a:prstGeom>
+        </p:spPr>
+      </p:pic>
+      <p:sp>
+        <p:nvSpPr>
+          <p:cNvPr id="8" name="TextBox 7">
+            <a:extLst>
+              <a:ext uri="{FF2B5EF4-FFF2-40B4-BE49-F238E27FC236}">
+                <a16:creationId xmlns:a16="http://schemas.microsoft.com/office/drawing/2014/main" id="{09555D4D-2259-FE70-A3E0-60F8E2281190}"/>
+              </a:ext>
+            </a:extLst>
+          </p:cNvPr>
+          <p:cNvSpPr txBox="1"/>
+          <p:nvPr/>
+        </p:nvSpPr>
+        <p:spPr>
+          <a:xfrm>
+            <a:off x="2672170" y="1532401"/>
+            <a:ext cx="908775" cy="369332"/>
+          </a:xfrm>
+          <a:prstGeom prst="rect">
+            <a:avLst/>
+          </a:prstGeom>
+          <a:noFill/>
+        </p:spPr>
+        <p:txBody>
+          <a:bodyPr wrap="none" rtlCol="0">
+            <a:spAutoFit/>
+          </a:bodyPr>
+          <a:lstStyle/>
+          <a:p>
+            <a:r>
+              <a:rPr lang="en-DE" dirty="0"/>
+              <a:t>January</a:t>
+            </a:r>
+          </a:p>
+        </p:txBody>
+      </p:sp>
+      <p:sp>
+        <p:nvSpPr>
+          <p:cNvPr id="9" name="TextBox 8">
+            <a:extLst>
+              <a:ext uri="{FF2B5EF4-FFF2-40B4-BE49-F238E27FC236}">
+                <a16:creationId xmlns:a16="http://schemas.microsoft.com/office/drawing/2014/main" id="{0A6C055C-C5E5-4C43-EC82-6BDDFEC2AD04}"/>
+              </a:ext>
+            </a:extLst>
+          </p:cNvPr>
+          <p:cNvSpPr txBox="1"/>
+          <p:nvPr/>
+        </p:nvSpPr>
+        <p:spPr>
+          <a:xfrm>
+            <a:off x="8898164" y="1534024"/>
+            <a:ext cx="978538" cy="369332"/>
+          </a:xfrm>
+          <a:prstGeom prst="rect">
+            <a:avLst/>
+          </a:prstGeom>
+          <a:noFill/>
+        </p:spPr>
+        <p:txBody>
+          <a:bodyPr wrap="none" rtlCol="0">
+            <a:spAutoFit/>
+          </a:bodyPr>
+          <a:lstStyle/>
+          <a:p>
+            <a:r>
+              <a:rPr lang="en-DE" dirty="0"/>
+              <a:t>Full year</a:t>
+            </a:r>
+          </a:p>
+        </p:txBody>
+      </p:sp>
+      <p:sp>
+        <p:nvSpPr>
+          <p:cNvPr id="10" name="TextBox 9">
+            <a:extLst>
+              <a:ext uri="{FF2B5EF4-FFF2-40B4-BE49-F238E27FC236}">
+                <a16:creationId xmlns:a16="http://schemas.microsoft.com/office/drawing/2014/main" id="{F598518E-3918-CE85-BF45-D9C4D9B15C35}"/>
+              </a:ext>
+            </a:extLst>
+          </p:cNvPr>
+          <p:cNvSpPr txBox="1"/>
+          <p:nvPr/>
+        </p:nvSpPr>
+        <p:spPr>
+          <a:xfrm>
+            <a:off x="3860800" y="6356350"/>
+            <a:ext cx="5382051" cy="369332"/>
+          </a:xfrm>
+          <a:prstGeom prst="rect">
+            <a:avLst/>
+          </a:prstGeom>
+          <a:noFill/>
+        </p:spPr>
+        <p:txBody>
+          <a:bodyPr wrap="none" rtlCol="0">
+            <a:spAutoFit/>
+          </a:bodyPr>
+          <a:lstStyle/>
+          <a:p>
+            <a:r>
+              <a:rPr lang="en-DE" dirty="0">
+                <a:solidFill>
+                  <a:schemeClr val="accent6"/>
+                </a:solidFill>
+              </a:rPr>
+              <a:t>maybe there is an offset between MCEq and CORSIKA?!</a:t>
+            </a:r>
+          </a:p>
+        </p:txBody>
+      </p:sp>
+    </p:spTree>
+    <p:extLst>
+      <p:ext uri="{BB962C8B-B14F-4D97-AF65-F5344CB8AC3E}">
+        <p14:creationId xmlns:p14="http://schemas.microsoft.com/office/powerpoint/2010/main" val="2492299443"/>
+      </p:ext>
+    </p:extLst>
+  </p:cSld>
+  <p:clrMapOvr>
+    <a:masterClrMapping/>
+  </p:clrMapOvr>
+</p:sld>
+</file>
+
+<file path=ppt/slides/slide8.xml><?xml version="1.0" encoding="utf-8"?>
+<p:sld xmlns:a="http://schemas.openxmlformats.org/drawingml/2006/main" xmlns:r="http://schemas.openxmlformats.org/officeDocument/2006/relationships" xmlns:p="http://schemas.openxmlformats.org/presentationml/2006/main">
+  <p:cSld>
+    <p:spTree>
+      <p:nvGrpSpPr>
+        <p:cNvPr id="1" name=""/>
+        <p:cNvGrpSpPr/>
+        <p:nvPr/>
+      </p:nvGrpSpPr>
+      <p:grpSpPr>
+        <a:xfrm>
+          <a:off x="0" y="0"/>
+          <a:ext cx="0" cy="0"/>
+          <a:chOff x="0" y="0"/>
+          <a:chExt cx="0" cy="0"/>
+        </a:xfrm>
+      </p:grpSpPr>
+      <p:sp>
+        <p:nvSpPr>
+          <p:cNvPr id="2" name="Title 1">
+            <a:extLst>
+              <a:ext uri="{FF2B5EF4-FFF2-40B4-BE49-F238E27FC236}">
+                <a16:creationId xmlns:a16="http://schemas.microsoft.com/office/drawing/2014/main" id="{96F66520-289D-BC10-6FA2-5D54730F53D9}"/>
+              </a:ext>
+            </a:extLst>
+          </p:cNvPr>
+          <p:cNvSpPr>
+            <a:spLocks noGrp="1"/>
+          </p:cNvSpPr>
+          <p:nvPr>
+            <p:ph type="title"/>
+          </p:nvPr>
+        </p:nvSpPr>
+        <p:spPr>
+          <a:xfrm>
+            <a:off x="4094480" y="2686685"/>
+            <a:ext cx="11508010" cy="742315"/>
+          </a:xfrm>
+        </p:spPr>
+        <p:txBody>
+          <a:bodyPr/>
+          <a:lstStyle/>
+          <a:p>
+            <a:r>
+              <a:rPr lang="en-DE" dirty="0"/>
+              <a:t>…I’m so stupid…</a:t>
+            </a:r>
+          </a:p>
+        </p:txBody>
+      </p:sp>
+      <p:sp>
+        <p:nvSpPr>
+          <p:cNvPr id="4" name="Date Placeholder 3">
+            <a:extLst>
+              <a:ext uri="{FF2B5EF4-FFF2-40B4-BE49-F238E27FC236}">
+                <a16:creationId xmlns:a16="http://schemas.microsoft.com/office/drawing/2014/main" id="{CD180859-2397-A0D1-17D4-F5F490303026}"/>
+              </a:ext>
+            </a:extLst>
+          </p:cNvPr>
+          <p:cNvSpPr>
+            <a:spLocks noGrp="1"/>
+          </p:cNvSpPr>
+          <p:nvPr>
+            <p:ph type="dt" sz="half" idx="10"/>
+          </p:nvPr>
+        </p:nvSpPr>
+        <p:spPr/>
+        <p:txBody>
+          <a:bodyPr/>
+          <a:lstStyle/>
+          <a:p>
+            <a:r>
+              <a:rPr lang="de-DE"/>
+              <a:t>pascal.gutjahr@tu-dortmund.de</a:t>
+            </a:r>
+            <a:endParaRPr lang="en-US"/>
+          </a:p>
+        </p:txBody>
+      </p:sp>
+      <p:sp>
+        <p:nvSpPr>
+          <p:cNvPr id="5" name="Slide Number Placeholder 4">
+            <a:extLst>
+              <a:ext uri="{FF2B5EF4-FFF2-40B4-BE49-F238E27FC236}">
+                <a16:creationId xmlns:a16="http://schemas.microsoft.com/office/drawing/2014/main" id="{000D3F34-FDF8-F90E-167B-302714CD40C4}"/>
+              </a:ext>
+            </a:extLst>
+          </p:cNvPr>
+          <p:cNvSpPr>
+            <a:spLocks noGrp="1"/>
+          </p:cNvSpPr>
+          <p:nvPr>
+            <p:ph type="sldNum" sz="quarter" idx="12"/>
+          </p:nvPr>
+        </p:nvSpPr>
+        <p:spPr/>
+        <p:txBody>
+          <a:bodyPr/>
+          <a:lstStyle/>
+          <a:p>
+            <a:fld id="{CD8304E6-5469-594D-85BC-E468E92D2243}" type="slidenum">
+              <a:rPr lang="en-US" smtClean="0"/>
+              <a:t>8</a:t>
+            </a:fld>
+            <a:endParaRPr lang="en-US"/>
+          </a:p>
+        </p:txBody>
+      </p:sp>
+    </p:spTree>
+    <p:extLst>
+      <p:ext uri="{BB962C8B-B14F-4D97-AF65-F5344CB8AC3E}">
+        <p14:creationId xmlns:p14="http://schemas.microsoft.com/office/powerpoint/2010/main" val="1954684487"/>
+      </p:ext>
+    </p:extLst>
+  </p:cSld>
+  <p:clrMapOvr>
+    <a:masterClrMapping/>
+  </p:clrMapOvr>
+</p:sld>
+</file>
+
+<file path=ppt/slides/slide9.xml><?xml version="1.0" encoding="utf-8"?>
+<p:sld xmlns:a="http://schemas.openxmlformats.org/drawingml/2006/main" xmlns:r="http://schemas.openxmlformats.org/officeDocument/2006/relationships" xmlns:p="http://schemas.openxmlformats.org/presentationml/2006/main">
+  <p:cSld>
+    <p:spTree>
+      <p:nvGrpSpPr>
+        <p:cNvPr id="1" name=""/>
+        <p:cNvGrpSpPr/>
+        <p:nvPr/>
+      </p:nvGrpSpPr>
+      <p:grpSpPr>
+        <a:xfrm>
+          <a:off x="0" y="0"/>
+          <a:ext cx="0" cy="0"/>
+          <a:chOff x="0" y="0"/>
+          <a:chExt cx="0" cy="0"/>
+        </a:xfrm>
+      </p:grpSpPr>
+      <p:sp>
+        <p:nvSpPr>
+          <p:cNvPr id="2" name="Title 1">
+            <a:extLst>
+              <a:ext uri="{FF2B5EF4-FFF2-40B4-BE49-F238E27FC236}">
+                <a16:creationId xmlns:a16="http://schemas.microsoft.com/office/drawing/2014/main" id="{D7D52890-5F7E-AC20-E0BA-9EF51EBF047F}"/>
+              </a:ext>
+            </a:extLst>
+          </p:cNvPr>
+          <p:cNvSpPr>
+            <a:spLocks noGrp="1"/>
+          </p:cNvSpPr>
+          <p:nvPr>
+            <p:ph type="title"/>
+          </p:nvPr>
+        </p:nvSpPr>
+        <p:spPr/>
+        <p:txBody>
+          <a:bodyPr/>
+          <a:lstStyle/>
+          <a:p>
+            <a:r>
+              <a:rPr lang="en-DE" dirty="0"/>
+              <a:t>For the calculation, I used the bin edges and not the bin mids</a:t>
+            </a:r>
+          </a:p>
+        </p:txBody>
+      </p:sp>
+      <p:sp>
+        <p:nvSpPr>
+          <p:cNvPr id="4" name="Date Placeholder 3">
+            <a:extLst>
+              <a:ext uri="{FF2B5EF4-FFF2-40B4-BE49-F238E27FC236}">
+                <a16:creationId xmlns:a16="http://schemas.microsoft.com/office/drawing/2014/main" id="{FD47C33B-8D73-51F6-DB53-43BB3F03901C}"/>
+              </a:ext>
+            </a:extLst>
+          </p:cNvPr>
+          <p:cNvSpPr>
+            <a:spLocks noGrp="1"/>
+          </p:cNvSpPr>
+          <p:nvPr>
+            <p:ph type="dt" sz="half" idx="10"/>
+          </p:nvPr>
+        </p:nvSpPr>
+        <p:spPr/>
+        <p:txBody>
+          <a:bodyPr/>
+          <a:lstStyle/>
+          <a:p>
+            <a:r>
+              <a:rPr lang="de-DE"/>
+              <a:t>pascal.gutjahr@tu-dortmund.de</a:t>
+            </a:r>
+            <a:endParaRPr lang="en-US"/>
+          </a:p>
+        </p:txBody>
+      </p:sp>
+      <p:sp>
+        <p:nvSpPr>
+          <p:cNvPr id="5" name="Slide Number Placeholder 4">
+            <a:extLst>
+              <a:ext uri="{FF2B5EF4-FFF2-40B4-BE49-F238E27FC236}">
+                <a16:creationId xmlns:a16="http://schemas.microsoft.com/office/drawing/2014/main" id="{94818E88-2358-E6D4-18F9-D4B64FC19BA2}"/>
+              </a:ext>
+            </a:extLst>
+          </p:cNvPr>
+          <p:cNvSpPr>
+            <a:spLocks noGrp="1"/>
+          </p:cNvSpPr>
+          <p:nvPr>
+            <p:ph type="sldNum" sz="quarter" idx="12"/>
+          </p:nvPr>
+        </p:nvSpPr>
+        <p:spPr/>
+        <p:txBody>
+          <a:bodyPr/>
+          <a:lstStyle/>
+          <a:p>
+            <a:fld id="{CD8304E6-5469-594D-85BC-E468E92D2243}" type="slidenum">
+              <a:rPr lang="en-US" smtClean="0"/>
+              <a:t>9</a:t>
+            </a:fld>
+            <a:endParaRPr lang="en-US"/>
+          </a:p>
+        </p:txBody>
+      </p:sp>
+      <p:pic>
+        <p:nvPicPr>
+          <p:cNvPr id="6" name="Picture 5">
+            <a:extLst>
+              <a:ext uri="{FF2B5EF4-FFF2-40B4-BE49-F238E27FC236}">
+                <a16:creationId xmlns:a16="http://schemas.microsoft.com/office/drawing/2014/main" id="{0D7BEDD0-B834-465D-BB80-73C71A5DB1BC}"/>
+              </a:ext>
+            </a:extLst>
+          </p:cNvPr>
+          <p:cNvPicPr>
+            <a:picLocks noChangeAspect="1"/>
+          </p:cNvPicPr>
+          <p:nvPr/>
+        </p:nvPicPr>
+        <p:blipFill rotWithShape="1">
+          <a:blip r:embed="rId2"/>
+          <a:srcRect l="1" t="7984" r="879"/>
+          <a:stretch/>
+        </p:blipFill>
+        <p:spPr>
+          <a:xfrm>
+            <a:off x="130628" y="1737360"/>
+            <a:ext cx="4950823" cy="3704724"/>
+          </a:xfrm>
+          <a:prstGeom prst="rect">
+            <a:avLst/>
+          </a:prstGeom>
+        </p:spPr>
+      </p:pic>
+      <p:sp>
+        <p:nvSpPr>
+          <p:cNvPr id="7" name="TextBox 6">
+            <a:extLst>
+              <a:ext uri="{FF2B5EF4-FFF2-40B4-BE49-F238E27FC236}">
+                <a16:creationId xmlns:a16="http://schemas.microsoft.com/office/drawing/2014/main" id="{3221F0B1-3E1B-7521-9029-0F29C3D196AC}"/>
+              </a:ext>
+            </a:extLst>
+          </p:cNvPr>
+          <p:cNvSpPr txBox="1"/>
+          <p:nvPr/>
+        </p:nvSpPr>
+        <p:spPr>
+          <a:xfrm>
+            <a:off x="2209800" y="1432550"/>
+            <a:ext cx="1230080" cy="369332"/>
+          </a:xfrm>
+          <a:prstGeom prst="rect">
+            <a:avLst/>
+          </a:prstGeom>
+          <a:noFill/>
+        </p:spPr>
+        <p:txBody>
+          <a:bodyPr wrap="none" rtlCol="0">
+            <a:spAutoFit/>
+          </a:bodyPr>
+          <a:lstStyle/>
+          <a:p>
+            <a:r>
+              <a:rPr lang="en-DE" dirty="0"/>
+              <a:t>old dataset</a:t>
+            </a:r>
+          </a:p>
+        </p:txBody>
+      </p:sp>
+      <p:pic>
+        <p:nvPicPr>
+          <p:cNvPr id="8" name="Picture 7">
+            <a:extLst>
+              <a:ext uri="{FF2B5EF4-FFF2-40B4-BE49-F238E27FC236}">
+                <a16:creationId xmlns:a16="http://schemas.microsoft.com/office/drawing/2014/main" id="{E19F22A8-E438-42C7-B1D9-E595620AEDE6}"/>
+              </a:ext>
+            </a:extLst>
+          </p:cNvPr>
+          <p:cNvPicPr>
+            <a:picLocks noChangeAspect="1"/>
+          </p:cNvPicPr>
+          <p:nvPr/>
+        </p:nvPicPr>
+        <p:blipFill rotWithShape="1">
+          <a:blip r:embed="rId3"/>
+          <a:srcRect t="7199" r="34"/>
+          <a:stretch/>
+        </p:blipFill>
+        <p:spPr>
+          <a:xfrm>
+            <a:off x="6632120" y="1737360"/>
+            <a:ext cx="4950824" cy="3704724"/>
+          </a:xfrm>
+          <a:prstGeom prst="rect">
+            <a:avLst/>
+          </a:prstGeom>
+        </p:spPr>
+      </p:pic>
+      <p:sp>
+        <p:nvSpPr>
+          <p:cNvPr id="9" name="TextBox 8">
+            <a:extLst>
+              <a:ext uri="{FF2B5EF4-FFF2-40B4-BE49-F238E27FC236}">
+                <a16:creationId xmlns:a16="http://schemas.microsoft.com/office/drawing/2014/main" id="{BBDF2C5C-3A4B-FC3C-796F-7A49CAD5A16D}"/>
+              </a:ext>
+            </a:extLst>
+          </p:cNvPr>
+          <p:cNvSpPr txBox="1"/>
+          <p:nvPr/>
+        </p:nvSpPr>
+        <p:spPr>
+          <a:xfrm>
+            <a:off x="8752122" y="1368028"/>
+            <a:ext cx="1334724" cy="369332"/>
+          </a:xfrm>
+          <a:prstGeom prst="rect">
+            <a:avLst/>
+          </a:prstGeom>
+          <a:noFill/>
+        </p:spPr>
+        <p:txBody>
+          <a:bodyPr wrap="none" rtlCol="0">
+            <a:spAutoFit/>
+          </a:bodyPr>
+          <a:lstStyle/>
+          <a:p>
+            <a:r>
+              <a:rPr lang="en-DE" dirty="0"/>
+              <a:t>new dataset</a:t>
+            </a:r>
+          </a:p>
+        </p:txBody>
+      </p:sp>
+      <p:sp>
+        <p:nvSpPr>
+          <p:cNvPr id="10" name="TextBox 9">
+            <a:extLst>
+              <a:ext uri="{FF2B5EF4-FFF2-40B4-BE49-F238E27FC236}">
+                <a16:creationId xmlns:a16="http://schemas.microsoft.com/office/drawing/2014/main" id="{E25DF2F6-A6FD-2157-1D0A-2BC3A4452F8F}"/>
+              </a:ext>
+            </a:extLst>
+          </p:cNvPr>
+          <p:cNvSpPr txBox="1"/>
+          <p:nvPr/>
+        </p:nvSpPr>
+        <p:spPr>
+          <a:xfrm>
+            <a:off x="4958081" y="3846974"/>
+            <a:ext cx="741680" cy="707886"/>
+          </a:xfrm>
+          <a:prstGeom prst="rect">
+            <a:avLst/>
+          </a:prstGeom>
+          <a:noFill/>
+        </p:spPr>
+        <p:txBody>
+          <a:bodyPr wrap="square" rtlCol="0">
+            <a:spAutoFit/>
+          </a:bodyPr>
+          <a:lstStyle/>
+          <a:p>
+            <a:r>
+              <a:rPr lang="en-DE" sz="4000" dirty="0">
+                <a:solidFill>
+                  <a:srgbClr val="73B841"/>
+                </a:solidFill>
+              </a:rPr>
+              <a:t>✓</a:t>
+            </a:r>
+          </a:p>
+        </p:txBody>
+      </p:sp>
+      <p:sp>
+        <p:nvSpPr>
+          <p:cNvPr id="11" name="TextBox 10">
+            <a:extLst>
+              <a:ext uri="{FF2B5EF4-FFF2-40B4-BE49-F238E27FC236}">
+                <a16:creationId xmlns:a16="http://schemas.microsoft.com/office/drawing/2014/main" id="{76596984-9B87-E629-E8D6-DB6363E517DF}"/>
+              </a:ext>
+            </a:extLst>
+          </p:cNvPr>
+          <p:cNvSpPr txBox="1"/>
+          <p:nvPr/>
+        </p:nvSpPr>
+        <p:spPr>
+          <a:xfrm>
+            <a:off x="11460480" y="3846974"/>
+            <a:ext cx="407484" cy="707886"/>
+          </a:xfrm>
+          <a:prstGeom prst="rect">
+            <a:avLst/>
+          </a:prstGeom>
+          <a:noFill/>
+        </p:spPr>
+        <p:txBody>
+          <a:bodyPr wrap="none" rtlCol="0">
+            <a:spAutoFit/>
+          </a:bodyPr>
+          <a:lstStyle/>
+          <a:p>
+            <a:r>
+              <a:rPr lang="en-DE" sz="4000" dirty="0">
+                <a:solidFill>
+                  <a:srgbClr val="C00000"/>
+                </a:solidFill>
+              </a:rPr>
+              <a:t>x</a:t>
+            </a:r>
+          </a:p>
+        </p:txBody>
+      </p:sp>
+    </p:spTree>
+    <p:extLst>
+      <p:ext uri="{BB962C8B-B14F-4D97-AF65-F5344CB8AC3E}">
+        <p14:creationId xmlns:p14="http://schemas.microsoft.com/office/powerpoint/2010/main" val="1784313350"/>
       </p:ext>
     </p:extLst>
   </p:cSld>
